--- a/Sildes/Azure Data Factory Fundamentals Dag 2.pptx
+++ b/Sildes/Azure Data Factory Fundamentals Dag 2.pptx
@@ -225,7 +225,7 @@
           <a:p>
             <a:fld id="{506A7C9F-7078-400C-AFC7-04400CC6C0C9}" type="datetimeFigureOut">
               <a:rPr lang="nl-NL" smtClean="0"/>
-              <a:t>21-11-2021</a:t>
+              <a:t>22-11-2021</a:t>
             </a:fld>
             <a:endParaRPr lang="nl-NL"/>
           </a:p>
@@ -4295,6 +4295,61 @@
               <a:tabLst/>
               <a:defRPr/>
             </a:pPr>
+            <a:endParaRPr lang="nl-NL" b="0" dirty="0">
+              <a:solidFill>
+                <a:srgbClr val="569CD6"/>
+              </a:solidFill>
+              <a:effectLst/>
+              <a:latin typeface="Consolas" panose="020B0609020204030204" pitchFamily="49" charset="0"/>
+            </a:endParaRPr>
+          </a:p>
+          <a:p>
+            <a:pPr marL="0" marR="0" lvl="0" indent="0" algn="l" defTabSz="914400" rtl="0" eaLnBrk="1" fontAlgn="auto" latinLnBrk="0" hangingPunct="1">
+              <a:lnSpc>
+                <a:spcPct val="100000"/>
+              </a:lnSpc>
+              <a:spcBef>
+                <a:spcPts val="0"/>
+              </a:spcBef>
+              <a:spcAft>
+                <a:spcPts val="0"/>
+              </a:spcAft>
+              <a:buClrTx/>
+              <a:buSzTx/>
+              <a:buFontTx/>
+              <a:buNone/>
+              <a:tabLst/>
+              <a:defRPr/>
+            </a:pPr>
+            <a:r>
+              <a:rPr lang="nl-NL" b="0" dirty="0">
+                <a:solidFill>
+                  <a:srgbClr val="569CD6"/>
+                </a:solidFill>
+                <a:effectLst/>
+                <a:latin typeface="Consolas" panose="020B0609020204030204" pitchFamily="49" charset="0"/>
+              </a:rPr>
+              <a:t>https://docs.microsoft.com/en-us/azure/data-factory/continuous-integration-delivery-improvements</a:t>
+            </a:r>
+          </a:p>
+          <a:p>
+            <a:pPr marL="0" marR="0" lvl="0" indent="0" algn="l" defTabSz="914400" rtl="0" eaLnBrk="1" fontAlgn="auto" latinLnBrk="0" hangingPunct="1">
+              <a:lnSpc>
+                <a:spcPct val="100000"/>
+              </a:lnSpc>
+              <a:spcBef>
+                <a:spcPts val="0"/>
+              </a:spcBef>
+              <a:spcAft>
+                <a:spcPts val="0"/>
+              </a:spcAft>
+              <a:buClrTx/>
+              <a:buSzTx/>
+              <a:buFontTx/>
+              <a:buNone/>
+              <a:tabLst/>
+              <a:defRPr/>
+            </a:pPr>
             <a:endParaRPr lang="nl-NL" b="1" dirty="0">
               <a:solidFill>
                 <a:srgbClr val="569CD6"/>
@@ -6969,7 +7024,7 @@
           <a:p>
             <a:fld id="{15E48C8E-5BC6-4622-8CA1-3638D2A56CDE}" type="datetimeFigureOut">
               <a:rPr lang="nl-NL" smtClean="0"/>
-              <a:t>21-11-2021</a:t>
+              <a:t>22-11-2021</a:t>
             </a:fld>
             <a:endParaRPr lang="nl-NL"/>
           </a:p>
@@ -7169,7 +7224,7 @@
           <a:p>
             <a:fld id="{15E48C8E-5BC6-4622-8CA1-3638D2A56CDE}" type="datetimeFigureOut">
               <a:rPr lang="nl-NL" smtClean="0"/>
-              <a:t>21-11-2021</a:t>
+              <a:t>22-11-2021</a:t>
             </a:fld>
             <a:endParaRPr lang="nl-NL"/>
           </a:p>
@@ -7379,7 +7434,7 @@
           <a:p>
             <a:fld id="{15E48C8E-5BC6-4622-8CA1-3638D2A56CDE}" type="datetimeFigureOut">
               <a:rPr lang="nl-NL" smtClean="0"/>
-              <a:t>21-11-2021</a:t>
+              <a:t>22-11-2021</a:t>
             </a:fld>
             <a:endParaRPr lang="nl-NL"/>
           </a:p>
@@ -7579,7 +7634,7 @@
           <a:p>
             <a:fld id="{15E48C8E-5BC6-4622-8CA1-3638D2A56CDE}" type="datetimeFigureOut">
               <a:rPr lang="nl-NL" smtClean="0"/>
-              <a:t>21-11-2021</a:t>
+              <a:t>22-11-2021</a:t>
             </a:fld>
             <a:endParaRPr lang="nl-NL"/>
           </a:p>
@@ -7855,7 +7910,7 @@
           <a:p>
             <a:fld id="{15E48C8E-5BC6-4622-8CA1-3638D2A56CDE}" type="datetimeFigureOut">
               <a:rPr lang="nl-NL" smtClean="0"/>
-              <a:t>21-11-2021</a:t>
+              <a:t>22-11-2021</a:t>
             </a:fld>
             <a:endParaRPr lang="nl-NL"/>
           </a:p>
@@ -8123,7 +8178,7 @@
           <a:p>
             <a:fld id="{15E48C8E-5BC6-4622-8CA1-3638D2A56CDE}" type="datetimeFigureOut">
               <a:rPr lang="nl-NL" smtClean="0"/>
-              <a:t>21-11-2021</a:t>
+              <a:t>22-11-2021</a:t>
             </a:fld>
             <a:endParaRPr lang="nl-NL"/>
           </a:p>
@@ -8538,7 +8593,7 @@
           <a:p>
             <a:fld id="{15E48C8E-5BC6-4622-8CA1-3638D2A56CDE}" type="datetimeFigureOut">
               <a:rPr lang="nl-NL" smtClean="0"/>
-              <a:t>21-11-2021</a:t>
+              <a:t>22-11-2021</a:t>
             </a:fld>
             <a:endParaRPr lang="nl-NL"/>
           </a:p>
@@ -8680,7 +8735,7 @@
           <a:p>
             <a:fld id="{15E48C8E-5BC6-4622-8CA1-3638D2A56CDE}" type="datetimeFigureOut">
               <a:rPr lang="nl-NL" smtClean="0"/>
-              <a:t>21-11-2021</a:t>
+              <a:t>22-11-2021</a:t>
             </a:fld>
             <a:endParaRPr lang="nl-NL"/>
           </a:p>
@@ -8793,7 +8848,7 @@
           <a:p>
             <a:fld id="{15E48C8E-5BC6-4622-8CA1-3638D2A56CDE}" type="datetimeFigureOut">
               <a:rPr lang="nl-NL" smtClean="0"/>
-              <a:t>21-11-2021</a:t>
+              <a:t>22-11-2021</a:t>
             </a:fld>
             <a:endParaRPr lang="nl-NL"/>
           </a:p>
@@ -9106,7 +9161,7 @@
           <a:p>
             <a:fld id="{15E48C8E-5BC6-4622-8CA1-3638D2A56CDE}" type="datetimeFigureOut">
               <a:rPr lang="nl-NL" smtClean="0"/>
-              <a:t>21-11-2021</a:t>
+              <a:t>22-11-2021</a:t>
             </a:fld>
             <a:endParaRPr lang="nl-NL"/>
           </a:p>
@@ -9395,7 +9450,7 @@
           <a:p>
             <a:fld id="{15E48C8E-5BC6-4622-8CA1-3638D2A56CDE}" type="datetimeFigureOut">
               <a:rPr lang="nl-NL" smtClean="0"/>
-              <a:t>21-11-2021</a:t>
+              <a:t>22-11-2021</a:t>
             </a:fld>
             <a:endParaRPr lang="nl-NL"/>
           </a:p>
@@ -9638,7 +9693,7 @@
           <a:p>
             <a:fld id="{15E48C8E-5BC6-4622-8CA1-3638D2A56CDE}" type="datetimeFigureOut">
               <a:rPr lang="nl-NL" smtClean="0"/>
-              <a:t>21-11-2021</a:t>
+              <a:t>22-11-2021</a:t>
             </a:fld>
             <a:endParaRPr lang="nl-NL"/>
           </a:p>

--- a/Sildes/Azure Data Factory Fundamentals Dag 2.pptx
+++ b/Sildes/Azure Data Factory Fundamentals Dag 2.pptx
@@ -225,7 +225,7 @@
           <a:p>
             <a:fld id="{506A7C9F-7078-400C-AFC7-04400CC6C0C9}" type="datetimeFigureOut">
               <a:rPr lang="nl-NL" smtClean="0"/>
-              <a:t>22-11-2021</a:t>
+              <a:t>23-11-2021</a:t>
             </a:fld>
             <a:endParaRPr lang="nl-NL"/>
           </a:p>
@@ -5420,7 +5420,7 @@
                 <a:effectLst/>
                 <a:latin typeface="Segoe UI" panose="020B0502040204020203" pitchFamily="34" charset="0"/>
               </a:rPr>
-              <a:t> verwijst naar een andere resource, zoals een dataset of dataflow, kunt u de globale parameterwaarde doorgeven via de parameters van die resource. Algemene parameters worden </a:t>
+              <a:t> verwijst naar een andere resource, zoals een dataset of dataflow, kunt je de globale parameterwaarde doorgeven via de parameters van die resource. Algemene parameters worden </a:t>
             </a:r>
             <a:r>
               <a:rPr lang="nl-NL" dirty="0"/>
@@ -5536,9 +5536,9 @@
             </a:r>
           </a:p>
           <a:p>
-            <a:pPr marL="171450" indent="-171450" algn="l">
+            <a:pPr marL="0" indent="0" algn="l">
               <a:buFontTx/>
-              <a:buChar char="-"/>
+              <a:buNone/>
             </a:pPr>
             <a:endParaRPr lang="nl-NL" b="0" i="0" dirty="0">
               <a:solidFill>
@@ -7024,7 +7024,7 @@
           <a:p>
             <a:fld id="{15E48C8E-5BC6-4622-8CA1-3638D2A56CDE}" type="datetimeFigureOut">
               <a:rPr lang="nl-NL" smtClean="0"/>
-              <a:t>22-11-2021</a:t>
+              <a:t>23-11-2021</a:t>
             </a:fld>
             <a:endParaRPr lang="nl-NL"/>
           </a:p>
@@ -7224,7 +7224,7 @@
           <a:p>
             <a:fld id="{15E48C8E-5BC6-4622-8CA1-3638D2A56CDE}" type="datetimeFigureOut">
               <a:rPr lang="nl-NL" smtClean="0"/>
-              <a:t>22-11-2021</a:t>
+              <a:t>23-11-2021</a:t>
             </a:fld>
             <a:endParaRPr lang="nl-NL"/>
           </a:p>
@@ -7434,7 +7434,7 @@
           <a:p>
             <a:fld id="{15E48C8E-5BC6-4622-8CA1-3638D2A56CDE}" type="datetimeFigureOut">
               <a:rPr lang="nl-NL" smtClean="0"/>
-              <a:t>22-11-2021</a:t>
+              <a:t>23-11-2021</a:t>
             </a:fld>
             <a:endParaRPr lang="nl-NL"/>
           </a:p>
@@ -7634,7 +7634,7 @@
           <a:p>
             <a:fld id="{15E48C8E-5BC6-4622-8CA1-3638D2A56CDE}" type="datetimeFigureOut">
               <a:rPr lang="nl-NL" smtClean="0"/>
-              <a:t>22-11-2021</a:t>
+              <a:t>23-11-2021</a:t>
             </a:fld>
             <a:endParaRPr lang="nl-NL"/>
           </a:p>
@@ -7910,7 +7910,7 @@
           <a:p>
             <a:fld id="{15E48C8E-5BC6-4622-8CA1-3638D2A56CDE}" type="datetimeFigureOut">
               <a:rPr lang="nl-NL" smtClean="0"/>
-              <a:t>22-11-2021</a:t>
+              <a:t>23-11-2021</a:t>
             </a:fld>
             <a:endParaRPr lang="nl-NL"/>
           </a:p>
@@ -8178,7 +8178,7 @@
           <a:p>
             <a:fld id="{15E48C8E-5BC6-4622-8CA1-3638D2A56CDE}" type="datetimeFigureOut">
               <a:rPr lang="nl-NL" smtClean="0"/>
-              <a:t>22-11-2021</a:t>
+              <a:t>23-11-2021</a:t>
             </a:fld>
             <a:endParaRPr lang="nl-NL"/>
           </a:p>
@@ -8593,7 +8593,7 @@
           <a:p>
             <a:fld id="{15E48C8E-5BC6-4622-8CA1-3638D2A56CDE}" type="datetimeFigureOut">
               <a:rPr lang="nl-NL" smtClean="0"/>
-              <a:t>22-11-2021</a:t>
+              <a:t>23-11-2021</a:t>
             </a:fld>
             <a:endParaRPr lang="nl-NL"/>
           </a:p>
@@ -8735,7 +8735,7 @@
           <a:p>
             <a:fld id="{15E48C8E-5BC6-4622-8CA1-3638D2A56CDE}" type="datetimeFigureOut">
               <a:rPr lang="nl-NL" smtClean="0"/>
-              <a:t>22-11-2021</a:t>
+              <a:t>23-11-2021</a:t>
             </a:fld>
             <a:endParaRPr lang="nl-NL"/>
           </a:p>
@@ -8848,7 +8848,7 @@
           <a:p>
             <a:fld id="{15E48C8E-5BC6-4622-8CA1-3638D2A56CDE}" type="datetimeFigureOut">
               <a:rPr lang="nl-NL" smtClean="0"/>
-              <a:t>22-11-2021</a:t>
+              <a:t>23-11-2021</a:t>
             </a:fld>
             <a:endParaRPr lang="nl-NL"/>
           </a:p>
@@ -9161,7 +9161,7 @@
           <a:p>
             <a:fld id="{15E48C8E-5BC6-4622-8CA1-3638D2A56CDE}" type="datetimeFigureOut">
               <a:rPr lang="nl-NL" smtClean="0"/>
-              <a:t>22-11-2021</a:t>
+              <a:t>23-11-2021</a:t>
             </a:fld>
             <a:endParaRPr lang="nl-NL"/>
           </a:p>
@@ -9450,7 +9450,7 @@
           <a:p>
             <a:fld id="{15E48C8E-5BC6-4622-8CA1-3638D2A56CDE}" type="datetimeFigureOut">
               <a:rPr lang="nl-NL" smtClean="0"/>
-              <a:t>22-11-2021</a:t>
+              <a:t>23-11-2021</a:t>
             </a:fld>
             <a:endParaRPr lang="nl-NL"/>
           </a:p>
@@ -9693,7 +9693,7 @@
           <a:p>
             <a:fld id="{15E48C8E-5BC6-4622-8CA1-3638D2A56CDE}" type="datetimeFigureOut">
               <a:rPr lang="nl-NL" smtClean="0"/>
-              <a:t>22-11-2021</a:t>
+              <a:t>23-11-2021</a:t>
             </a:fld>
             <a:endParaRPr lang="nl-NL"/>
           </a:p>

--- a/Sildes/Azure Data Factory Fundamentals Dag 2.pptx
+++ b/Sildes/Azure Data Factory Fundamentals Dag 2.pptx
@@ -2030,7 +2030,7 @@
             <a:pPr algn="l"/>
             <a:r>
               <a:rPr lang="nl-NL" dirty="0"/>
-              <a:t>Een Data Integration Unit is een maatstaf die het vermogen (een combinatie van CPU, geheugen en netwerkresourcetoewijzing) van een enkele unit binnen de service vertegenwoordigt. Dataintegratie-eenheid is alleen van toepassing op Azure Integration runtime, maar niet op zelf-hostende Integration runtime. De toegestane DIU's voor het uitvoeren van een kopieeractiviteit liggen tussen 2 en 256. Als dit niet is opgegeven of als u "Auto" kiest in de gebruikersinterface, past de service dynamisch de optimale DIU-instelling toe op basis van uw source-sink-paar en datapatroon. </a:t>
+              <a:t>Een Data Integration Unit is een maatstaf die het vermogen (een combinatie van CPU, geheugen en netwerkresourcetoewijzing) van een enkele unit binnen de service vertegenwoordigt. Data Integration Unit  is alleen van toepassing op Azure Integration runtime, maar niet op zelf-hostende Integration runtime. De toegestane DIU's voor het uitvoeren van een kopieeractiviteit liggen tussen 2 en 256. Als dit niet is opgegeven of als je "Auto" kiest in de gebruikersinterface, past de service dynamisch de optimale DIU-instelling toe op basis van uw source-sink-paar en datapatroon. </a:t>
             </a:r>
           </a:p>
           <a:p>
@@ -2886,19 +2886,6 @@
             </a:r>
           </a:p>
           <a:p>
-            <a:pPr algn="l"/>
-            <a:r>
-              <a:rPr lang="nl-NL" b="0" i="0" dirty="0">
-                <a:solidFill>
-                  <a:srgbClr val="E8E6E3"/>
-                </a:solidFill>
-                <a:effectLst/>
-                <a:latin typeface="Roboto" panose="02000000000000000000" pitchFamily="2" charset="0"/>
-              </a:rPr>
-              <a:t>Hieronder zie je een voorbeeld van een repository op mijn lokale computer. Dit zijn de bestanden en mappen die worden bijgehouden. Je kunt het alleen gebruiken, of je gebruikt het met een team van mensen die aan hetzelfde project werken.</a:t>
-            </a:r>
-          </a:p>
-          <a:p>
             <a:endParaRPr lang="nl-NL" b="1" dirty="0">
               <a:solidFill>
                 <a:srgbClr val="569CD6"/>
@@ -3001,7 +2988,7 @@
             <a:pPr algn="l"/>
             <a:r>
               <a:rPr lang="nl-NL" dirty="0"/>
-              <a:t>Git is een gedistribueerd versiebeheersysteem. Elke ontwikkelaar heeft een kopie van de bronrepository op zijn ontwikkelmachine. Ontwikkelaars kunnen elke reeks wijzigingen op hun ontwikkelmachine doorvoeren en versiebeheerbewerkingen zoals geschiedenis uitvoeren en vergelijken zonder een netwerkverbinding. Takken zijn lichtgewicht. Wanneer u van context moet wisselen, kunt u een persoonlijke lokale vertakking maken. Je kunt snel van de ene branch naar de andere switchen om tussen verschillende variaties van je codebase te draaien. Later kunt u de vertakking samenvoegen, publiceren of verwijderen.</a:t>
+              <a:t>Git is een gedistribueerd versiebeheersysteem. Elke ontwikkelaar heeft een kopie van de bronrepository op zijn ontwikkelmachine. Ontwikkelaars kunnen elke reeks wijzigingen op hun ontwikkelmachine doorvoeren en versiebeheerbewerkingen zoals geschiedenis uitvoeren en vergelijken zonder een netwerkverbinding. Takken zijn lichtgewicht. Wanneer u van context moet wisselen, kunt u een persoonlijke lokale vertakking maken. Je kunt snel van de ene branch naar de andere switchen om tussen verschillende variaties van je codebase te draaien. Later kunt je de vertakking samenvoegen, publiceren of verwijderen.</a:t>
             </a:r>
           </a:p>
           <a:p>
@@ -4079,7 +4066,7 @@
             </a:r>
             <a:r>
               <a:rPr lang="nl-NL" dirty="0"/>
-              <a:t> is de praktijk waarbij elke wijziging die in uw codebase wordt aangebracht, automatisch en zo vroeg mogelijk wordt getest. Continuous delivery volgt het testen dat plaatsvindt tijdens continue integratie en pusht wijzigingen in een staging- of productiesysteem. In Azure Data Factory betekent </a:t>
+              <a:t> is de praktijk waarbij elke wijziging die in jecodebase wordt aangebracht, automatisch en zo vroeg mogelijk wordt getest. Continuous delivery volgt het testen dat plaatsvindt tijdens continue integratie en pusht wijzigingen in een staging- of productiesysteem. In Azure Data Factory betekent </a:t>
             </a:r>
             <a:r>
               <a:rPr lang="nl-NL" b="0" i="0" dirty="0">
@@ -4147,7 +4134,7 @@
               <a:buFontTx/>
               <a:buNone/>
             </a:pPr>
-            <a:endParaRPr lang="nl-NL" b="1" i="0">
+            <a:endParaRPr lang="nl-NL" b="1" i="0" dirty="0">
               <a:solidFill>
                 <a:srgbClr val="D9D6D1"/>
               </a:solidFill>

--- a/Sildes/Azure Data Factory Fundamentals Dag 2.pptx
+++ b/Sildes/Azure Data Factory Fundamentals Dag 2.pptx
@@ -225,7 +225,7 @@
           <a:p>
             <a:fld id="{506A7C9F-7078-400C-AFC7-04400CC6C0C9}" type="datetimeFigureOut">
               <a:rPr lang="nl-NL" smtClean="0"/>
-              <a:t>23-11-2021</a:t>
+              <a:t>24-11-2021</a:t>
             </a:fld>
             <a:endParaRPr lang="nl-NL"/>
           </a:p>
@@ -384,7 +384,7 @@
           <a:p>
             <a:fld id="{81639104-CD37-486E-9C7A-5184428EE9F5}" type="slidenum">
               <a:rPr lang="nl-NL" smtClean="0"/>
-              <a:t>‹#›</a:t>
+              <a:t>‹nr.›</a:t>
             </a:fld>
             <a:endParaRPr lang="nl-NL"/>
           </a:p>
@@ -7011,7 +7011,7 @@
           <a:p>
             <a:fld id="{15E48C8E-5BC6-4622-8CA1-3638D2A56CDE}" type="datetimeFigureOut">
               <a:rPr lang="nl-NL" smtClean="0"/>
-              <a:t>23-11-2021</a:t>
+              <a:t>24-11-2021</a:t>
             </a:fld>
             <a:endParaRPr lang="nl-NL"/>
           </a:p>
@@ -7065,7 +7065,7 @@
           <a:p>
             <a:fld id="{4598FA16-D37F-4D9F-BE93-8104C2D892CA}" type="slidenum">
               <a:rPr lang="nl-NL" smtClean="0"/>
-              <a:t>‹#›</a:t>
+              <a:t>‹nr.›</a:t>
             </a:fld>
             <a:endParaRPr lang="nl-NL"/>
           </a:p>
@@ -7211,7 +7211,7 @@
           <a:p>
             <a:fld id="{15E48C8E-5BC6-4622-8CA1-3638D2A56CDE}" type="datetimeFigureOut">
               <a:rPr lang="nl-NL" smtClean="0"/>
-              <a:t>23-11-2021</a:t>
+              <a:t>24-11-2021</a:t>
             </a:fld>
             <a:endParaRPr lang="nl-NL"/>
           </a:p>
@@ -7265,7 +7265,7 @@
           <a:p>
             <a:fld id="{4598FA16-D37F-4D9F-BE93-8104C2D892CA}" type="slidenum">
               <a:rPr lang="nl-NL" smtClean="0"/>
-              <a:t>‹#›</a:t>
+              <a:t>‹nr.›</a:t>
             </a:fld>
             <a:endParaRPr lang="nl-NL"/>
           </a:p>
@@ -7421,7 +7421,7 @@
           <a:p>
             <a:fld id="{15E48C8E-5BC6-4622-8CA1-3638D2A56CDE}" type="datetimeFigureOut">
               <a:rPr lang="nl-NL" smtClean="0"/>
-              <a:t>23-11-2021</a:t>
+              <a:t>24-11-2021</a:t>
             </a:fld>
             <a:endParaRPr lang="nl-NL"/>
           </a:p>
@@ -7475,7 +7475,7 @@
           <a:p>
             <a:fld id="{4598FA16-D37F-4D9F-BE93-8104C2D892CA}" type="slidenum">
               <a:rPr lang="nl-NL" smtClean="0"/>
-              <a:t>‹#›</a:t>
+              <a:t>‹nr.›</a:t>
             </a:fld>
             <a:endParaRPr lang="nl-NL"/>
           </a:p>
@@ -7621,7 +7621,7 @@
           <a:p>
             <a:fld id="{15E48C8E-5BC6-4622-8CA1-3638D2A56CDE}" type="datetimeFigureOut">
               <a:rPr lang="nl-NL" smtClean="0"/>
-              <a:t>23-11-2021</a:t>
+              <a:t>24-11-2021</a:t>
             </a:fld>
             <a:endParaRPr lang="nl-NL"/>
           </a:p>
@@ -7675,7 +7675,7 @@
           <a:p>
             <a:fld id="{4598FA16-D37F-4D9F-BE93-8104C2D892CA}" type="slidenum">
               <a:rPr lang="nl-NL" smtClean="0"/>
-              <a:t>‹#›</a:t>
+              <a:t>‹nr.›</a:t>
             </a:fld>
             <a:endParaRPr lang="nl-NL"/>
           </a:p>
@@ -7897,7 +7897,7 @@
           <a:p>
             <a:fld id="{15E48C8E-5BC6-4622-8CA1-3638D2A56CDE}" type="datetimeFigureOut">
               <a:rPr lang="nl-NL" smtClean="0"/>
-              <a:t>23-11-2021</a:t>
+              <a:t>24-11-2021</a:t>
             </a:fld>
             <a:endParaRPr lang="nl-NL"/>
           </a:p>
@@ -7951,7 +7951,7 @@
           <a:p>
             <a:fld id="{4598FA16-D37F-4D9F-BE93-8104C2D892CA}" type="slidenum">
               <a:rPr lang="nl-NL" smtClean="0"/>
-              <a:t>‹#›</a:t>
+              <a:t>‹nr.›</a:t>
             </a:fld>
             <a:endParaRPr lang="nl-NL"/>
           </a:p>
@@ -8165,7 +8165,7 @@
           <a:p>
             <a:fld id="{15E48C8E-5BC6-4622-8CA1-3638D2A56CDE}" type="datetimeFigureOut">
               <a:rPr lang="nl-NL" smtClean="0"/>
-              <a:t>23-11-2021</a:t>
+              <a:t>24-11-2021</a:t>
             </a:fld>
             <a:endParaRPr lang="nl-NL"/>
           </a:p>
@@ -8219,7 +8219,7 @@
           <a:p>
             <a:fld id="{4598FA16-D37F-4D9F-BE93-8104C2D892CA}" type="slidenum">
               <a:rPr lang="nl-NL" smtClean="0"/>
-              <a:t>‹#›</a:t>
+              <a:t>‹nr.›</a:t>
             </a:fld>
             <a:endParaRPr lang="nl-NL"/>
           </a:p>
@@ -8580,7 +8580,7 @@
           <a:p>
             <a:fld id="{15E48C8E-5BC6-4622-8CA1-3638D2A56CDE}" type="datetimeFigureOut">
               <a:rPr lang="nl-NL" smtClean="0"/>
-              <a:t>23-11-2021</a:t>
+              <a:t>24-11-2021</a:t>
             </a:fld>
             <a:endParaRPr lang="nl-NL"/>
           </a:p>
@@ -8634,7 +8634,7 @@
           <a:p>
             <a:fld id="{4598FA16-D37F-4D9F-BE93-8104C2D892CA}" type="slidenum">
               <a:rPr lang="nl-NL" smtClean="0"/>
-              <a:t>‹#›</a:t>
+              <a:t>‹nr.›</a:t>
             </a:fld>
             <a:endParaRPr lang="nl-NL"/>
           </a:p>
@@ -8722,7 +8722,7 @@
           <a:p>
             <a:fld id="{15E48C8E-5BC6-4622-8CA1-3638D2A56CDE}" type="datetimeFigureOut">
               <a:rPr lang="nl-NL" smtClean="0"/>
-              <a:t>23-11-2021</a:t>
+              <a:t>24-11-2021</a:t>
             </a:fld>
             <a:endParaRPr lang="nl-NL"/>
           </a:p>
@@ -8776,7 +8776,7 @@
           <a:p>
             <a:fld id="{4598FA16-D37F-4D9F-BE93-8104C2D892CA}" type="slidenum">
               <a:rPr lang="nl-NL" smtClean="0"/>
-              <a:t>‹#›</a:t>
+              <a:t>‹nr.›</a:t>
             </a:fld>
             <a:endParaRPr lang="nl-NL"/>
           </a:p>
@@ -8835,7 +8835,7 @@
           <a:p>
             <a:fld id="{15E48C8E-5BC6-4622-8CA1-3638D2A56CDE}" type="datetimeFigureOut">
               <a:rPr lang="nl-NL" smtClean="0"/>
-              <a:t>23-11-2021</a:t>
+              <a:t>24-11-2021</a:t>
             </a:fld>
             <a:endParaRPr lang="nl-NL"/>
           </a:p>
@@ -8889,7 +8889,7 @@
           <a:p>
             <a:fld id="{4598FA16-D37F-4D9F-BE93-8104C2D892CA}" type="slidenum">
               <a:rPr lang="nl-NL" smtClean="0"/>
-              <a:t>‹#›</a:t>
+              <a:t>‹nr.›</a:t>
             </a:fld>
             <a:endParaRPr lang="nl-NL"/>
           </a:p>
@@ -9148,7 +9148,7 @@
           <a:p>
             <a:fld id="{15E48C8E-5BC6-4622-8CA1-3638D2A56CDE}" type="datetimeFigureOut">
               <a:rPr lang="nl-NL" smtClean="0"/>
-              <a:t>23-11-2021</a:t>
+              <a:t>24-11-2021</a:t>
             </a:fld>
             <a:endParaRPr lang="nl-NL"/>
           </a:p>
@@ -9202,7 +9202,7 @@
           <a:p>
             <a:fld id="{4598FA16-D37F-4D9F-BE93-8104C2D892CA}" type="slidenum">
               <a:rPr lang="nl-NL" smtClean="0"/>
-              <a:t>‹#›</a:t>
+              <a:t>‹nr.›</a:t>
             </a:fld>
             <a:endParaRPr lang="nl-NL"/>
           </a:p>
@@ -9437,7 +9437,7 @@
           <a:p>
             <a:fld id="{15E48C8E-5BC6-4622-8CA1-3638D2A56CDE}" type="datetimeFigureOut">
               <a:rPr lang="nl-NL" smtClean="0"/>
-              <a:t>23-11-2021</a:t>
+              <a:t>24-11-2021</a:t>
             </a:fld>
             <a:endParaRPr lang="nl-NL"/>
           </a:p>
@@ -9491,7 +9491,7 @@
           <a:p>
             <a:fld id="{4598FA16-D37F-4D9F-BE93-8104C2D892CA}" type="slidenum">
               <a:rPr lang="nl-NL" smtClean="0"/>
-              <a:t>‹#›</a:t>
+              <a:t>‹nr.›</a:t>
             </a:fld>
             <a:endParaRPr lang="nl-NL"/>
           </a:p>
@@ -9680,7 +9680,7 @@
           <a:p>
             <a:fld id="{15E48C8E-5BC6-4622-8CA1-3638D2A56CDE}" type="datetimeFigureOut">
               <a:rPr lang="nl-NL" smtClean="0"/>
-              <a:t>23-11-2021</a:t>
+              <a:t>24-11-2021</a:t>
             </a:fld>
             <a:endParaRPr lang="nl-NL"/>
           </a:p>
@@ -9770,7 +9770,7 @@
           <a:p>
             <a:fld id="{4598FA16-D37F-4D9F-BE93-8104C2D892CA}" type="slidenum">
               <a:rPr lang="nl-NL" smtClean="0"/>
-              <a:t>‹#›</a:t>
+              <a:t>‹nr.›</a:t>
             </a:fld>
             <a:endParaRPr lang="nl-NL"/>
           </a:p>
@@ -10183,7 +10183,7 @@
               <a:rPr lang="nl-NL" dirty="0">
                 <a:latin typeface="Consolas" panose="020B0609020204030204" pitchFamily="49" charset="0"/>
               </a:rPr>
-              <a:t>  22 &amp; 23 november 2021 </a:t>
+              <a:t>  24 &amp; 25 november 2021 </a:t>
             </a:r>
           </a:p>
         </p:txBody>

--- a/Sildes/Azure Data Factory Fundamentals Dag 2.pptx
+++ b/Sildes/Azure Data Factory Fundamentals Dag 2.pptx
@@ -225,7 +225,7 @@
           <a:p>
             <a:fld id="{506A7C9F-7078-400C-AFC7-04400CC6C0C9}" type="datetimeFigureOut">
               <a:rPr lang="nl-NL" smtClean="0"/>
-              <a:t>24-11-2021</a:t>
+              <a:t>25-11-2021</a:t>
             </a:fld>
             <a:endParaRPr lang="nl-NL"/>
           </a:p>
@@ -804,13 +804,16 @@
           </a:p>
           <a:p>
             <a:pPr algn="l"/>
-            <a:endParaRPr lang="nl-NL" b="1" i="0" dirty="0">
-              <a:solidFill>
-                <a:srgbClr val="D9D6D1"/>
-              </a:solidFill>
-              <a:effectLst/>
-              <a:latin typeface="Segoe UI" panose="020B0502040204020203" pitchFamily="34" charset="0"/>
-            </a:endParaRPr>
+            <a:r>
+              <a:rPr lang="nl-NL" b="0" i="0" dirty="0">
+                <a:solidFill>
+                  <a:srgbClr val="D9D6D1"/>
+                </a:solidFill>
+                <a:effectLst/>
+                <a:latin typeface="Segoe UI" panose="020B0502040204020203" pitchFamily="34" charset="0"/>
+              </a:rPr>
+              <a:t>https://microsoft-bitools.blogspot.com/p/joost-van-rossum.html?m=0</a:t>
+            </a:r>
           </a:p>
         </p:txBody>
       </p:sp>
@@ -7011,7 +7014,7 @@
           <a:p>
             <a:fld id="{15E48C8E-5BC6-4622-8CA1-3638D2A56CDE}" type="datetimeFigureOut">
               <a:rPr lang="nl-NL" smtClean="0"/>
-              <a:t>24-11-2021</a:t>
+              <a:t>25-11-2021</a:t>
             </a:fld>
             <a:endParaRPr lang="nl-NL"/>
           </a:p>
@@ -7211,7 +7214,7 @@
           <a:p>
             <a:fld id="{15E48C8E-5BC6-4622-8CA1-3638D2A56CDE}" type="datetimeFigureOut">
               <a:rPr lang="nl-NL" smtClean="0"/>
-              <a:t>24-11-2021</a:t>
+              <a:t>25-11-2021</a:t>
             </a:fld>
             <a:endParaRPr lang="nl-NL"/>
           </a:p>
@@ -7421,7 +7424,7 @@
           <a:p>
             <a:fld id="{15E48C8E-5BC6-4622-8CA1-3638D2A56CDE}" type="datetimeFigureOut">
               <a:rPr lang="nl-NL" smtClean="0"/>
-              <a:t>24-11-2021</a:t>
+              <a:t>25-11-2021</a:t>
             </a:fld>
             <a:endParaRPr lang="nl-NL"/>
           </a:p>
@@ -7621,7 +7624,7 @@
           <a:p>
             <a:fld id="{15E48C8E-5BC6-4622-8CA1-3638D2A56CDE}" type="datetimeFigureOut">
               <a:rPr lang="nl-NL" smtClean="0"/>
-              <a:t>24-11-2021</a:t>
+              <a:t>25-11-2021</a:t>
             </a:fld>
             <a:endParaRPr lang="nl-NL"/>
           </a:p>
@@ -7897,7 +7900,7 @@
           <a:p>
             <a:fld id="{15E48C8E-5BC6-4622-8CA1-3638D2A56CDE}" type="datetimeFigureOut">
               <a:rPr lang="nl-NL" smtClean="0"/>
-              <a:t>24-11-2021</a:t>
+              <a:t>25-11-2021</a:t>
             </a:fld>
             <a:endParaRPr lang="nl-NL"/>
           </a:p>
@@ -8165,7 +8168,7 @@
           <a:p>
             <a:fld id="{15E48C8E-5BC6-4622-8CA1-3638D2A56CDE}" type="datetimeFigureOut">
               <a:rPr lang="nl-NL" smtClean="0"/>
-              <a:t>24-11-2021</a:t>
+              <a:t>25-11-2021</a:t>
             </a:fld>
             <a:endParaRPr lang="nl-NL"/>
           </a:p>
@@ -8580,7 +8583,7 @@
           <a:p>
             <a:fld id="{15E48C8E-5BC6-4622-8CA1-3638D2A56CDE}" type="datetimeFigureOut">
               <a:rPr lang="nl-NL" smtClean="0"/>
-              <a:t>24-11-2021</a:t>
+              <a:t>25-11-2021</a:t>
             </a:fld>
             <a:endParaRPr lang="nl-NL"/>
           </a:p>
@@ -8722,7 +8725,7 @@
           <a:p>
             <a:fld id="{15E48C8E-5BC6-4622-8CA1-3638D2A56CDE}" type="datetimeFigureOut">
               <a:rPr lang="nl-NL" smtClean="0"/>
-              <a:t>24-11-2021</a:t>
+              <a:t>25-11-2021</a:t>
             </a:fld>
             <a:endParaRPr lang="nl-NL"/>
           </a:p>
@@ -8835,7 +8838,7 @@
           <a:p>
             <a:fld id="{15E48C8E-5BC6-4622-8CA1-3638D2A56CDE}" type="datetimeFigureOut">
               <a:rPr lang="nl-NL" smtClean="0"/>
-              <a:t>24-11-2021</a:t>
+              <a:t>25-11-2021</a:t>
             </a:fld>
             <a:endParaRPr lang="nl-NL"/>
           </a:p>
@@ -9148,7 +9151,7 @@
           <a:p>
             <a:fld id="{15E48C8E-5BC6-4622-8CA1-3638D2A56CDE}" type="datetimeFigureOut">
               <a:rPr lang="nl-NL" smtClean="0"/>
-              <a:t>24-11-2021</a:t>
+              <a:t>25-11-2021</a:t>
             </a:fld>
             <a:endParaRPr lang="nl-NL"/>
           </a:p>
@@ -9437,7 +9440,7 @@
           <a:p>
             <a:fld id="{15E48C8E-5BC6-4622-8CA1-3638D2A56CDE}" type="datetimeFigureOut">
               <a:rPr lang="nl-NL" smtClean="0"/>
-              <a:t>24-11-2021</a:t>
+              <a:t>25-11-2021</a:t>
             </a:fld>
             <a:endParaRPr lang="nl-NL"/>
           </a:p>
@@ -9680,7 +9683,7 @@
           <a:p>
             <a:fld id="{15E48C8E-5BC6-4622-8CA1-3638D2A56CDE}" type="datetimeFigureOut">
               <a:rPr lang="nl-NL" smtClean="0"/>
-              <a:t>24-11-2021</a:t>
+              <a:t>25-11-2021</a:t>
             </a:fld>
             <a:endParaRPr lang="nl-NL"/>
           </a:p>
